--- a/Administracao de Sistemas GNU-LinuxFundamentos e Pratica/Semestre 1/FIAP - Linux 02 - Comandos Básicos pt1.pptx
+++ b/Administracao de Sistemas GNU-LinuxFundamentos e Pratica/Semestre 1/FIAP - Linux 02 - Comandos Básicos pt1.pptx
@@ -285,7 +285,7 @@
             <a:fld id="{DDE2191A-D690-4B53-8433-7131D440F245}" type="datetimeFigureOut">
               <a:rPr lang="pt-BR" smtClean="0"/>
               <a:pPr/>
-              <a:t>24/09/2025</a:t>
+              <a:t>25/09/2025</a:t>
             </a:fld>
             <a:endParaRPr lang="pt-BR"/>
           </a:p>
@@ -338,7 +338,7 @@
             <a:fld id="{3DBD1892-086B-46A7-9C95-DCAD890F030A}" type="slidenum">
               <a:rPr lang="pt-BR" smtClean="0"/>
               <a:pPr/>
-              <a:t>‹#›</a:t>
+              <a:t>‹nº›</a:t>
             </a:fld>
             <a:endParaRPr lang="pt-BR"/>
           </a:p>
@@ -705,7 +705,7 @@
             <a:fld id="{DDE2191A-D690-4B53-8433-7131D440F245}" type="datetimeFigureOut">
               <a:rPr lang="pt-BR" smtClean="0"/>
               <a:pPr/>
-              <a:t>24/09/2025</a:t>
+              <a:t>25/09/2025</a:t>
             </a:fld>
             <a:endParaRPr lang="pt-BR"/>
           </a:p>
@@ -748,7 +748,7 @@
             <a:fld id="{3DBD1892-086B-46A7-9C95-DCAD890F030A}" type="slidenum">
               <a:rPr lang="pt-BR" smtClean="0"/>
               <a:pPr/>
-              <a:t>‹#›</a:t>
+              <a:t>‹nº›</a:t>
             </a:fld>
             <a:endParaRPr lang="pt-BR"/>
           </a:p>
@@ -943,7 +943,7 @@
             <a:fld id="{DDE2191A-D690-4B53-8433-7131D440F245}" type="datetimeFigureOut">
               <a:rPr lang="pt-BR" smtClean="0"/>
               <a:pPr/>
-              <a:t>24/09/2025</a:t>
+              <a:t>25/09/2025</a:t>
             </a:fld>
             <a:endParaRPr lang="pt-BR"/>
           </a:p>
@@ -986,7 +986,7 @@
             <a:fld id="{3DBD1892-086B-46A7-9C95-DCAD890F030A}" type="slidenum">
               <a:rPr lang="pt-BR" smtClean="0"/>
               <a:pPr/>
-              <a:t>‹#›</a:t>
+              <a:t>‹nº›</a:t>
             </a:fld>
             <a:endParaRPr lang="pt-BR"/>
           </a:p>
@@ -1180,7 +1180,7 @@
             <a:fld id="{DDE2191A-D690-4B53-8433-7131D440F245}" type="datetimeFigureOut">
               <a:rPr lang="pt-BR" smtClean="0"/>
               <a:pPr/>
-              <a:t>24/09/2025</a:t>
+              <a:t>25/09/2025</a:t>
             </a:fld>
             <a:endParaRPr lang="pt-BR"/>
           </a:p>
@@ -1223,7 +1223,7 @@
             <a:fld id="{3DBD1892-086B-46A7-9C95-DCAD890F030A}" type="slidenum">
               <a:rPr lang="pt-BR" smtClean="0"/>
               <a:pPr/>
-              <a:t>‹#›</a:t>
+              <a:t>‹nº›</a:t>
             </a:fld>
             <a:endParaRPr lang="pt-BR"/>
           </a:p>
@@ -1512,7 +1512,7 @@
             <a:fld id="{DDE2191A-D690-4B53-8433-7131D440F245}" type="datetimeFigureOut">
               <a:rPr lang="pt-BR" smtClean="0"/>
               <a:pPr/>
-              <a:t>24/09/2025</a:t>
+              <a:t>25/09/2025</a:t>
             </a:fld>
             <a:endParaRPr lang="pt-BR"/>
           </a:p>
@@ -1565,7 +1565,7 @@
             <a:fld id="{3DBD1892-086B-46A7-9C95-DCAD890F030A}" type="slidenum">
               <a:rPr lang="pt-BR" smtClean="0"/>
               <a:pPr/>
-              <a:t>‹#›</a:t>
+              <a:t>‹nº›</a:t>
             </a:fld>
             <a:endParaRPr lang="pt-BR"/>
           </a:p>
@@ -1802,7 +1802,7 @@
             <a:fld id="{DDE2191A-D690-4B53-8433-7131D440F245}" type="datetimeFigureOut">
               <a:rPr lang="pt-BR" smtClean="0"/>
               <a:pPr/>
-              <a:t>24/09/2025</a:t>
+              <a:t>25/09/2025</a:t>
             </a:fld>
             <a:endParaRPr lang="pt-BR"/>
           </a:p>
@@ -1845,7 +1845,7 @@
             <a:fld id="{3DBD1892-086B-46A7-9C95-DCAD890F030A}" type="slidenum">
               <a:rPr lang="pt-BR" smtClean="0"/>
               <a:pPr/>
-              <a:t>‹#›</a:t>
+              <a:t>‹nº›</a:t>
             </a:fld>
             <a:endParaRPr lang="pt-BR"/>
           </a:p>
@@ -2243,7 +2243,7 @@
             <a:fld id="{DDE2191A-D690-4B53-8433-7131D440F245}" type="datetimeFigureOut">
               <a:rPr lang="pt-BR" smtClean="0"/>
               <a:pPr/>
-              <a:t>24/09/2025</a:t>
+              <a:t>25/09/2025</a:t>
             </a:fld>
             <a:endParaRPr lang="pt-BR"/>
           </a:p>
@@ -2286,7 +2286,7 @@
             <a:fld id="{3DBD1892-086B-46A7-9C95-DCAD890F030A}" type="slidenum">
               <a:rPr lang="pt-BR" smtClean="0"/>
               <a:pPr/>
-              <a:t>‹#›</a:t>
+              <a:t>‹nº›</a:t>
             </a:fld>
             <a:endParaRPr lang="pt-BR"/>
           </a:p>
@@ -2564,7 +2564,7 @@
             <a:fld id="{DDE2191A-D690-4B53-8433-7131D440F245}" type="datetimeFigureOut">
               <a:rPr lang="pt-BR" smtClean="0"/>
               <a:pPr/>
-              <a:t>24/09/2025</a:t>
+              <a:t>25/09/2025</a:t>
             </a:fld>
             <a:endParaRPr lang="pt-BR"/>
           </a:p>
@@ -2607,7 +2607,7 @@
             <a:fld id="{3DBD1892-086B-46A7-9C95-DCAD890F030A}" type="slidenum">
               <a:rPr lang="pt-BR" smtClean="0"/>
               <a:pPr/>
-              <a:t>‹#›</a:t>
+              <a:t>‹nº›</a:t>
             </a:fld>
             <a:endParaRPr lang="pt-BR"/>
           </a:p>
@@ -2741,7 +2741,7 @@
             <a:fld id="{DDE2191A-D690-4B53-8433-7131D440F245}" type="datetimeFigureOut">
               <a:rPr lang="pt-BR" smtClean="0"/>
               <a:pPr/>
-              <a:t>24/09/2025</a:t>
+              <a:t>25/09/2025</a:t>
             </a:fld>
             <a:endParaRPr lang="pt-BR"/>
           </a:p>
@@ -2784,7 +2784,7 @@
             <a:fld id="{3DBD1892-086B-46A7-9C95-DCAD890F030A}" type="slidenum">
               <a:rPr lang="pt-BR" smtClean="0"/>
               <a:pPr/>
-              <a:t>‹#›</a:t>
+              <a:t>‹nº›</a:t>
             </a:fld>
             <a:endParaRPr lang="pt-BR"/>
           </a:p>
@@ -3055,7 +3055,7 @@
             <a:fld id="{DDE2191A-D690-4B53-8433-7131D440F245}" type="datetimeFigureOut">
               <a:rPr lang="pt-BR" smtClean="0"/>
               <a:pPr/>
-              <a:t>24/09/2025</a:t>
+              <a:t>25/09/2025</a:t>
             </a:fld>
             <a:endParaRPr lang="pt-BR"/>
           </a:p>
@@ -3098,7 +3098,7 @@
             <a:fld id="{3DBD1892-086B-46A7-9C95-DCAD890F030A}" type="slidenum">
               <a:rPr lang="pt-BR" smtClean="0"/>
               <a:pPr/>
-              <a:t>‹#›</a:t>
+              <a:t>‹nº›</a:t>
             </a:fld>
             <a:endParaRPr lang="pt-BR"/>
           </a:p>
@@ -3490,7 +3490,7 @@
             <a:fld id="{DDE2191A-D690-4B53-8433-7131D440F245}" type="datetimeFigureOut">
               <a:rPr lang="pt-BR" smtClean="0"/>
               <a:pPr/>
-              <a:t>24/09/2025</a:t>
+              <a:t>25/09/2025</a:t>
             </a:fld>
             <a:endParaRPr lang="pt-BR"/>
           </a:p>
@@ -3533,7 +3533,7 @@
             <a:fld id="{3DBD1892-086B-46A7-9C95-DCAD890F030A}" type="slidenum">
               <a:rPr lang="pt-BR" smtClean="0"/>
               <a:pPr/>
-              <a:t>‹#›</a:t>
+              <a:t>‹nº›</a:t>
             </a:fld>
             <a:endParaRPr lang="pt-BR"/>
           </a:p>
@@ -3865,7 +3865,7 @@
             <a:fld id="{DDE2191A-D690-4B53-8433-7131D440F245}" type="datetimeFigureOut">
               <a:rPr lang="pt-BR" smtClean="0"/>
               <a:pPr/>
-              <a:t>24/09/2025</a:t>
+              <a:t>25/09/2025</a:t>
             </a:fld>
             <a:endParaRPr lang="pt-BR"/>
           </a:p>
@@ -3940,7 +3940,7 @@
             <a:fld id="{3DBD1892-086B-46A7-9C95-DCAD890F030A}" type="slidenum">
               <a:rPr lang="pt-BR" smtClean="0"/>
               <a:pPr/>
-              <a:t>‹#›</a:t>
+              <a:t>‹nº›</a:t>
             </a:fld>
             <a:endParaRPr lang="pt-BR"/>
           </a:p>
@@ -4447,7 +4447,7 @@
           <a:p>
             <a:r>
               <a:rPr lang="pt-BR" dirty="0"/>
-              <a:t>Guilherme Rodrigues</a:t>
+              <a:t>Antonio Figueiredo</a:t>
             </a:r>
           </a:p>
         </p:txBody>
@@ -6427,6 +6427,22 @@
               <a:rPr lang="en-US" dirty="0" err="1"/>
               <a:t>Atividade</a:t>
             </a:r>
+            <a:r>
+              <a:rPr lang="en-US" dirty="0"/>
+              <a:t> – </a:t>
+            </a:r>
+            <a:r>
+              <a:rPr lang="en-US" dirty="0" err="1"/>
+              <a:t>Navegação</a:t>
+            </a:r>
+            <a:r>
+              <a:rPr lang="en-US" dirty="0"/>
+              <a:t> e </a:t>
+            </a:r>
+            <a:r>
+              <a:rPr lang="en-US" dirty="0" err="1"/>
+              <a:t>Localização</a:t>
+            </a:r>
             <a:endParaRPr lang="pt-BR" dirty="0"/>
           </a:p>
         </p:txBody>
@@ -7093,79 +7109,9 @@
             <a:endParaRPr lang="pt-BR" sz="2400" dirty="0"/>
           </a:p>
           <a:p>
-            <a:r>
-              <a:rPr lang="pt-BR" sz="2400" dirty="0"/>
-              <a:t>PEREIRA, Guilherme. Slides para aula expositiva. </a:t>
-            </a:r>
-            <a:r>
-              <a:rPr lang="pt-BR" sz="2400" dirty="0" err="1"/>
-              <a:t>Udemy</a:t>
-            </a:r>
-            <a:r>
-              <a:rPr lang="pt-BR" sz="2400" dirty="0"/>
-              <a:t>.</a:t>
-            </a:r>
-          </a:p>
-          <a:p>
-            <a:pPr lvl="1"/>
-            <a:r>
-              <a:rPr lang="pt-BR" sz="2000" dirty="0">
-                <a:hlinkClick r:id="rId2"/>
-              </a:rPr>
-              <a:t>https://www.udemy.com/course/adm-so-gnulinux/?referralCode=58F8BE46FFB066C7811A</a:t>
-            </a:r>
-            <a:r>
-              <a:rPr lang="pt-BR" sz="2000" dirty="0"/>
-              <a:t> </a:t>
-            </a:r>
-          </a:p>
-          <a:p>
-            <a:endParaRPr lang="pt-BR" sz="2400" dirty="0"/>
-          </a:p>
-          <a:p>
-            <a:r>
-              <a:rPr lang="pt-BR" sz="2400" dirty="0"/>
-              <a:t>SILVA, </a:t>
-            </a:r>
-            <a:r>
-              <a:rPr lang="pt-BR" sz="2400" dirty="0" err="1"/>
-              <a:t>Gleydson</a:t>
-            </a:r>
-            <a:r>
-              <a:rPr lang="pt-BR" sz="2400" dirty="0"/>
-              <a:t> </a:t>
-            </a:r>
-            <a:r>
-              <a:rPr lang="pt-BR" sz="2400" dirty="0" err="1"/>
-              <a:t>Mazioli</a:t>
-            </a:r>
-            <a:r>
-              <a:rPr lang="pt-BR" sz="2400" dirty="0"/>
-              <a:t>. </a:t>
-            </a:r>
-            <a:r>
-              <a:rPr lang="pt-BR" sz="2400" b="1" dirty="0"/>
-              <a:t>Guia Foca GNU/Linux</a:t>
-            </a:r>
-            <a:r>
-              <a:rPr lang="pt-BR" sz="2400" dirty="0"/>
-              <a:t>. Disponível em:</a:t>
-            </a:r>
-          </a:p>
-          <a:p>
-            <a:pPr lvl="1"/>
-            <a:r>
-              <a:rPr lang="pt-BR" sz="2000" dirty="0">
-                <a:hlinkClick r:id="rId3"/>
-              </a:rPr>
-              <a:t>https://www.guiafoca.org/</a:t>
-            </a:r>
-            <a:r>
-              <a:rPr lang="pt-BR" sz="2000" dirty="0"/>
-              <a:t> </a:t>
-            </a:r>
-          </a:p>
-          <a:p>
+            <a:pPr marL="0" indent="0">
+              <a:buNone/>
+            </a:pPr>
             <a:endParaRPr lang="pt-BR" sz="2400" dirty="0"/>
           </a:p>
         </p:txBody>
